--- a/PR_-project-1-2.pptx
+++ b/PR_-project-1-2.pptx
@@ -4663,7 +4663,7 @@
           <a:p>
             <a:fld id="{5FB9196E-E6C1-4858-9085-FC8770351409}" type="datetimeFigureOut">
               <a:rPr lang="zh-TW" altLang="en-US" smtClean="0"/>
-              <a:t>2021/6/6</a:t>
+              <a:t>2021/6/7</a:t>
             </a:fld>
             <a:endParaRPr lang="zh-TW" altLang="en-US"/>
           </a:p>
@@ -4976,14 +4976,28 @@
           <a:p>
             <a:r>
               <a:rPr lang="zh-TW" altLang="en-US" dirty="0"/>
-              <a:t>大家好，我們這組報告的主題是食譜的分類模型，</a:t>
+              <a:t>大家好，我們這組的成員有張書榕和倪滙渝。</a:t>
             </a:r>
             <a:endParaRPr lang="en-US" altLang="zh-TW" dirty="0"/>
           </a:p>
           <a:p>
             <a:r>
               <a:rPr lang="zh-TW" altLang="en-US" dirty="0"/>
-              <a:t>利用食譜的材料來觀察各國常見的食材，並進行分類。</a:t>
+              <a:t>我是倪滙渝。</a:t>
+            </a:r>
+            <a:endParaRPr lang="en-US" altLang="zh-TW" dirty="0"/>
+          </a:p>
+          <a:p>
+            <a:r>
+              <a:rPr lang="zh-TW" altLang="en-US" dirty="0"/>
+              <a:t>我們的主題是，食譜分類模型，</a:t>
+            </a:r>
+            <a:endParaRPr lang="en-US" altLang="zh-TW" dirty="0"/>
+          </a:p>
+          <a:p>
+            <a:r>
+              <a:rPr lang="zh-TW" altLang="en-US" dirty="0"/>
+              <a:t>會透過食譜的材料，來觀察各國料理常見的食材，並進行分類。</a:t>
             </a:r>
           </a:p>
         </p:txBody>
@@ -5150,15 +5164,23 @@
             </a:pPr>
             <a:r>
               <a:rPr lang="zh-TW" altLang="en-US" dirty="0"/>
-              <a:t>觀察此表的</a:t>
+              <a:t>觀察此表的中間</a:t>
             </a:r>
             <a:r>
               <a:rPr lang="en-US" altLang="zh-TW" dirty="0"/>
-              <a:t>Mean</a:t>
+              <a:t>Mean validate</a:t>
             </a:r>
             <a:r>
               <a:rPr lang="zh-TW" altLang="en-US" dirty="0"/>
-              <a:t>這一行，在</a:t>
+              <a:t>這個</a:t>
+            </a:r>
+            <a:r>
+              <a:rPr lang="en-US" altLang="zh-TW" dirty="0"/>
+              <a:t>column</a:t>
+            </a:r>
+            <a:r>
+              <a:rPr lang="zh-TW" altLang="en-US" dirty="0"/>
+              <a:t>，在</a:t>
             </a:r>
             <a:r>
               <a:rPr lang="en-US" altLang="zh-TW" dirty="0"/>
@@ -5170,7 +5192,7 @@
             </a:r>
             <a:r>
               <a:rPr lang="en-US" altLang="zh-TW" dirty="0"/>
-              <a:t>5-fold (0.8,0.2)</a:t>
+              <a:t>5-fold</a:t>
             </a:r>
             <a:r>
               <a:rPr lang="zh-TW" altLang="en-US" dirty="0"/>
@@ -5214,11 +5236,19 @@
             </a:pPr>
             <a:r>
               <a:rPr lang="zh-TW" altLang="en-US" dirty="0"/>
-              <a:t>右邊這一行</a:t>
+              <a:t>右邊</a:t>
             </a:r>
             <a:r>
               <a:rPr lang="en-US" altLang="zh-TW" dirty="0"/>
-              <a:t>test</a:t>
+              <a:t>test acc</a:t>
+            </a:r>
+            <a:r>
+              <a:rPr lang="zh-TW" altLang="en-US" dirty="0"/>
+              <a:t>這個</a:t>
+            </a:r>
+            <a:r>
+              <a:rPr lang="en-US" altLang="zh-TW" dirty="0"/>
+              <a:t>column</a:t>
             </a:r>
             <a:r>
               <a:rPr lang="zh-TW" altLang="en-US" dirty="0"/>
@@ -5230,18 +5260,72 @@
             </a:r>
             <a:r>
               <a:rPr lang="zh-TW" altLang="en-US" dirty="0"/>
-              <a:t>反而不降維為最佳，有達到</a:t>
-            </a:r>
-            <a:r>
-              <a:rPr lang="en-US" altLang="zh-TW" dirty="0"/>
-              <a:t>81%</a:t>
-            </a:r>
+              <a:t>反而不降維為最佳</a:t>
+            </a:r>
+            <a:endParaRPr lang="en-US" altLang="zh-TW" dirty="0"/>
+          </a:p>
+          <a:p>
+            <a:pPr marL="0" marR="0" lvl="0" indent="0" algn="l" defTabSz="914400" rtl="0" eaLnBrk="1" fontAlgn="auto" latinLnBrk="0" hangingPunct="1">
+              <a:lnSpc>
+                <a:spcPct val="100000"/>
+              </a:lnSpc>
+              <a:spcBef>
+                <a:spcPts val="0"/>
+              </a:spcBef>
+              <a:spcAft>
+                <a:spcPts val="0"/>
+              </a:spcAft>
+              <a:buClrTx/>
+              <a:buSzTx/>
+              <a:buFontTx/>
+              <a:buNone/>
+              <a:tabLst/>
+              <a:defRPr/>
+            </a:pPr>
+            <a:endParaRPr lang="en-US" altLang="zh-TW" dirty="0"/>
+          </a:p>
+          <a:p>
+            <a:pPr marL="0" marR="0" lvl="0" indent="0" algn="l" defTabSz="914400" rtl="0" eaLnBrk="1" fontAlgn="auto" latinLnBrk="0" hangingPunct="1">
+              <a:lnSpc>
+                <a:spcPct val="100000"/>
+              </a:lnSpc>
+              <a:spcBef>
+                <a:spcPts val="0"/>
+              </a:spcBef>
+              <a:spcAft>
+                <a:spcPts val="0"/>
+              </a:spcAft>
+              <a:buClrTx/>
+              <a:buSzTx/>
+              <a:buFontTx/>
+              <a:buNone/>
+              <a:tabLst/>
+              <a:defRPr/>
+            </a:pPr>
             <a:r>
               <a:rPr lang="zh-TW" altLang="en-US" dirty="0"/>
-              <a:t>的準確率</a:t>
-            </a:r>
-          </a:p>
-          <a:p>
+              <a:t>我們認為是因為降維後會損失重要的資訊，就和前面的葉片問題一樣</a:t>
+            </a:r>
+            <a:endParaRPr lang="en-US" altLang="zh-TW" dirty="0"/>
+          </a:p>
+          <a:p>
+            <a:pPr marL="0" marR="0" lvl="0" indent="0" algn="l" defTabSz="914400" rtl="0" eaLnBrk="1" fontAlgn="auto" latinLnBrk="0" hangingPunct="1">
+              <a:lnSpc>
+                <a:spcPct val="100000"/>
+              </a:lnSpc>
+              <a:spcBef>
+                <a:spcPts val="0"/>
+              </a:spcBef>
+              <a:spcAft>
+                <a:spcPts val="0"/>
+              </a:spcAft>
+              <a:buClrTx/>
+              <a:buSzTx/>
+              <a:buFontTx/>
+              <a:buNone/>
+              <a:tabLst/>
+              <a:defRPr/>
+            </a:pPr>
             <a:endParaRPr lang="en-US" altLang="zh-TW" dirty="0"/>
           </a:p>
         </p:txBody>
@@ -5334,13 +5418,15 @@
           </a:p>
           <a:p>
             <a:r>
+              <a:rPr lang="zh-TW" altLang="en-US" dirty="0"/>
+              <a:t>第一個就是我們嘗試的降維方法對於稀疏矩陣效果不佳，不適合我們的</a:t>
+            </a:r>
+            <a:r>
               <a:rPr lang="en-US" altLang="zh-TW" dirty="0"/>
-              <a:t>PCA</a:t>
-            </a:r>
-            <a:r>
-              <a:rPr lang="zh-TW" altLang="en-US" dirty="0"/>
-              <a:t>對於稀疏矩陣效果不佳</a:t>
-            </a:r>
+              <a:t>data set</a:t>
+            </a:r>
+          </a:p>
+          <a:p>
             <a:endParaRPr lang="en-US" altLang="zh-TW" dirty="0"/>
           </a:p>
           <a:p>
@@ -5351,6 +5437,9 @@
             <a:endParaRPr lang="en-US" altLang="zh-TW" dirty="0"/>
           </a:p>
           <a:p>
+            <a:endParaRPr lang="en-US" altLang="zh-TW" dirty="0"/>
+          </a:p>
+          <a:p>
             <a:r>
               <a:rPr lang="zh-TW" altLang="en-US" dirty="0"/>
               <a:t>最後實驗的結果就是不降維、</a:t>
@@ -5371,6 +5460,195 @@
               <a:rPr lang="zh-TW" altLang="en-US" dirty="0"/>
               <a:t>可以有最佳的成績</a:t>
             </a:r>
+            <a:endParaRPr lang="en-US" altLang="zh-TW" dirty="0"/>
+          </a:p>
+          <a:p>
+            <a:endParaRPr lang="en-US" altLang="zh-TW" dirty="0"/>
+          </a:p>
+          <a:p>
+            <a:endParaRPr lang="en-US" altLang="zh-TW" dirty="0"/>
+          </a:p>
+          <a:p>
+            <a:r>
+              <a:rPr lang="en-US" altLang="zh-TW" dirty="0"/>
+              <a:t>########</a:t>
+            </a:r>
+          </a:p>
+          <a:p>
+            <a:pPr marL="0" marR="0" lvl="0" indent="0" algn="l" defTabSz="914400" rtl="0" eaLnBrk="1" fontAlgn="auto" latinLnBrk="0" hangingPunct="1">
+              <a:lnSpc>
+                <a:spcPct val="100000"/>
+              </a:lnSpc>
+              <a:spcBef>
+                <a:spcPts val="0"/>
+              </a:spcBef>
+              <a:spcAft>
+                <a:spcPts val="0"/>
+              </a:spcAft>
+              <a:buClrTx/>
+              <a:buSzTx/>
+              <a:buFontTx/>
+              <a:buNone/>
+              <a:tabLst/>
+              <a:defRPr/>
+            </a:pPr>
+            <a:r>
+              <a:rPr lang="zh-TW" altLang="en-US" sz="1200" b="0" i="0" kern="1200" dirty="0">
+                <a:solidFill>
+                  <a:schemeClr val="tx1"/>
+                </a:solidFill>
+                <a:effectLst/>
+                <a:latin typeface="+mn-lt"/>
+                <a:ea typeface="+mn-ea"/>
+                <a:cs typeface="+mn-cs"/>
+              </a:rPr>
+              <a:t>因為目前都是用</a:t>
+            </a:r>
+            <a:r>
+              <a:rPr lang="en-US" altLang="zh-TW" sz="1200" b="0" i="0" kern="1200" dirty="0">
+                <a:solidFill>
+                  <a:schemeClr val="tx1"/>
+                </a:solidFill>
+                <a:effectLst/>
+                <a:latin typeface="+mn-lt"/>
+                <a:ea typeface="+mn-ea"/>
+                <a:cs typeface="+mn-cs"/>
+              </a:rPr>
+              <a:t>RBF</a:t>
+            </a:r>
+            <a:r>
+              <a:rPr lang="zh-TW" altLang="en-US" sz="1200" b="0" i="0" kern="1200" dirty="0">
+                <a:solidFill>
+                  <a:schemeClr val="tx1"/>
+                </a:solidFill>
+                <a:effectLst/>
+                <a:latin typeface="+mn-lt"/>
+                <a:ea typeface="+mn-ea"/>
+                <a:cs typeface="+mn-cs"/>
+              </a:rPr>
+              <a:t>的</a:t>
+            </a:r>
+            <a:r>
+              <a:rPr lang="en-US" altLang="zh-TW" sz="1200" b="0" i="0" kern="1200" dirty="0">
+                <a:solidFill>
+                  <a:schemeClr val="tx1"/>
+                </a:solidFill>
+                <a:effectLst/>
+                <a:latin typeface="+mn-lt"/>
+                <a:ea typeface="+mn-ea"/>
+                <a:cs typeface="+mn-cs"/>
+              </a:rPr>
+              <a:t>SVM</a:t>
+            </a:r>
+            <a:r>
+              <a:rPr lang="zh-TW" altLang="en-US" sz="1200" b="0" i="0" kern="1200" dirty="0">
+                <a:solidFill>
+                  <a:schemeClr val="tx1"/>
+                </a:solidFill>
+                <a:effectLst/>
+                <a:latin typeface="+mn-lt"/>
+                <a:ea typeface="+mn-ea"/>
+                <a:cs typeface="+mn-cs"/>
+              </a:rPr>
+              <a:t>來做前處理跟降維的比較</a:t>
+            </a:r>
+            <a:endParaRPr lang="en-US" altLang="zh-TW" sz="1200" b="0" i="0" kern="1200" dirty="0">
+              <a:solidFill>
+                <a:schemeClr val="tx1"/>
+              </a:solidFill>
+              <a:effectLst/>
+              <a:latin typeface="+mn-lt"/>
+              <a:ea typeface="+mn-ea"/>
+              <a:cs typeface="+mn-cs"/>
+            </a:endParaRPr>
+          </a:p>
+          <a:p>
+            <a:pPr marL="0" marR="0" lvl="0" indent="0" algn="l" defTabSz="914400" rtl="0" eaLnBrk="1" fontAlgn="auto" latinLnBrk="0" hangingPunct="1">
+              <a:lnSpc>
+                <a:spcPct val="100000"/>
+              </a:lnSpc>
+              <a:spcBef>
+                <a:spcPts val="0"/>
+              </a:spcBef>
+              <a:spcAft>
+                <a:spcPts val="0"/>
+              </a:spcAft>
+              <a:buClrTx/>
+              <a:buSzTx/>
+              <a:buFontTx/>
+              <a:buNone/>
+              <a:tabLst/>
+              <a:defRPr/>
+            </a:pPr>
+            <a:r>
+              <a:rPr lang="zh-TW" altLang="en-US" sz="1200" b="0" i="0" kern="1200" dirty="0">
+                <a:solidFill>
+                  <a:schemeClr val="tx1"/>
+                </a:solidFill>
+                <a:effectLst/>
+                <a:latin typeface="+mn-lt"/>
+                <a:ea typeface="+mn-ea"/>
+                <a:cs typeface="+mn-cs"/>
+              </a:rPr>
+              <a:t>補上調整分類器的</a:t>
+            </a:r>
+            <a:r>
+              <a:rPr lang="en-US" altLang="zh-TW" sz="1200" b="0" i="0" kern="1200" dirty="0">
+                <a:solidFill>
+                  <a:schemeClr val="tx1"/>
+                </a:solidFill>
+                <a:effectLst/>
+                <a:latin typeface="+mn-lt"/>
+                <a:ea typeface="+mn-ea"/>
+                <a:cs typeface="+mn-cs"/>
+              </a:rPr>
+              <a:t>Hyperparameter</a:t>
+            </a:r>
+            <a:r>
+              <a:rPr lang="zh-TW" altLang="en-US" sz="1200" b="0" i="0" kern="1200" dirty="0">
+                <a:solidFill>
+                  <a:schemeClr val="tx1"/>
+                </a:solidFill>
+                <a:effectLst/>
+                <a:latin typeface="+mn-lt"/>
+                <a:ea typeface="+mn-ea"/>
+                <a:cs typeface="+mn-cs"/>
+              </a:rPr>
+              <a:t>的實驗或是換其他的</a:t>
+            </a:r>
+            <a:r>
+              <a:rPr lang="en-US" altLang="zh-TW" sz="1200" b="0" i="0" kern="1200" dirty="0">
+                <a:solidFill>
+                  <a:schemeClr val="tx1"/>
+                </a:solidFill>
+                <a:effectLst/>
+                <a:latin typeface="+mn-lt"/>
+                <a:ea typeface="+mn-ea"/>
+                <a:cs typeface="+mn-cs"/>
+              </a:rPr>
+              <a:t>kernel</a:t>
+            </a:r>
+            <a:r>
+              <a:rPr lang="zh-TW" altLang="en-US" sz="1200" b="0" i="0" kern="1200" dirty="0">
+                <a:solidFill>
+                  <a:schemeClr val="tx1"/>
+                </a:solidFill>
+                <a:effectLst/>
+                <a:latin typeface="+mn-lt"/>
+                <a:ea typeface="+mn-ea"/>
+                <a:cs typeface="+mn-cs"/>
+              </a:rPr>
+              <a:t>看看</a:t>
+            </a:r>
+            <a:endParaRPr lang="en-US" altLang="zh-TW" sz="1200" b="0" i="0" kern="1200" dirty="0">
+              <a:solidFill>
+                <a:schemeClr val="tx1"/>
+              </a:solidFill>
+              <a:effectLst/>
+              <a:latin typeface="+mn-lt"/>
+              <a:ea typeface="+mn-ea"/>
+              <a:cs typeface="+mn-cs"/>
+            </a:endParaRPr>
           </a:p>
         </p:txBody>
       </p:sp>
@@ -5456,7 +5734,21 @@
           <a:p>
             <a:r>
               <a:rPr lang="zh-TW" altLang="en-US" dirty="0"/>
-              <a:t>我們報告的流程是先介紹我們資料集、嘗試使用的方法及流程，</a:t>
+              <a:t>這是我們報告的流程</a:t>
+            </a:r>
+            <a:endParaRPr lang="en-US" altLang="zh-TW" dirty="0"/>
+          </a:p>
+          <a:p>
+            <a:r>
+              <a:rPr lang="zh-TW" altLang="en-US" dirty="0"/>
+              <a:t>首先介紹我們資料集，</a:t>
+            </a:r>
+            <a:endParaRPr lang="en-US" altLang="zh-TW" dirty="0"/>
+          </a:p>
+          <a:p>
+            <a:r>
+              <a:rPr lang="zh-TW" altLang="en-US" dirty="0"/>
+              <a:t>嘗試使用的方法及流程，</a:t>
             </a:r>
             <a:endParaRPr lang="en-US" altLang="zh-TW" dirty="0"/>
           </a:p>
@@ -5734,6 +6026,26 @@
             </a:r>
           </a:p>
           <a:p>
+            <a:pPr marL="0" marR="0" lvl="0" indent="0" algn="l" defTabSz="914400" rtl="0" eaLnBrk="1" fontAlgn="auto" latinLnBrk="0" hangingPunct="1">
+              <a:lnSpc>
+                <a:spcPct val="100000"/>
+              </a:lnSpc>
+              <a:spcBef>
+                <a:spcPts val="0"/>
+              </a:spcBef>
+              <a:spcAft>
+                <a:spcPts val="0"/>
+              </a:spcAft>
+              <a:buClrTx/>
+              <a:buSzTx/>
+              <a:buFontTx/>
+              <a:buNone/>
+              <a:tabLst/>
+              <a:defRPr/>
+            </a:pPr>
+            <a:endParaRPr lang="en-US" altLang="zh-TW" dirty="0"/>
+          </a:p>
+          <a:p>
             <a:r>
               <a:rPr lang="zh-TW" altLang="en-US" dirty="0"/>
               <a:t>下圖為其中五筆的樣子</a:t>
@@ -5966,14 +6278,33 @@
           <a:p>
             <a:r>
               <a:rPr lang="zh-TW" altLang="en-US" dirty="0"/>
-              <a:t>第一步前處理</a:t>
+              <a:t>首先先做前處理</a:t>
             </a:r>
             <a:endParaRPr lang="en-US" altLang="zh-TW" dirty="0"/>
           </a:p>
           <a:p>
+            <a:endParaRPr lang="en-US" altLang="zh-TW" dirty="0"/>
+          </a:p>
+          <a:p>
             <a:r>
               <a:rPr lang="zh-TW" altLang="en-US" dirty="0"/>
-              <a:t>先作詞形還原，載入</a:t>
+              <a:t>先把</a:t>
+            </a:r>
+            <a:r>
+              <a:rPr lang="en-US" altLang="zh-TW" dirty="0"/>
+              <a:t>ingredient</a:t>
+            </a:r>
+            <a:r>
+              <a:rPr lang="zh-TW" altLang="en-US" dirty="0"/>
+              <a:t>作</a:t>
+            </a:r>
+            <a:r>
+              <a:rPr lang="en-US" altLang="zh-TW" dirty="0"/>
+              <a:t>Lemmatization</a:t>
+            </a:r>
+            <a:r>
+              <a:rPr lang="zh-TW" altLang="en-US" dirty="0"/>
+              <a:t>詞形還原，使用</a:t>
             </a:r>
             <a:r>
               <a:rPr lang="en-US" altLang="zh-TW" dirty="0"/>
@@ -5981,17 +6312,32 @@
             </a:r>
             <a:r>
               <a:rPr lang="zh-TW" altLang="en-US" dirty="0"/>
-              <a:t>辭典，複數變單數、拿掉量詞等等，並手動刪掉切片的、醃製的形容詞等等</a:t>
+              <a:t>的</a:t>
+            </a:r>
+            <a:r>
+              <a:rPr lang="en-US" altLang="zh-TW" dirty="0"/>
+              <a:t>library</a:t>
+            </a:r>
+            <a:r>
+              <a:rPr lang="zh-TW" altLang="en-US" dirty="0"/>
+              <a:t>，</a:t>
             </a:r>
             <a:endParaRPr lang="en-US" altLang="zh-TW" dirty="0"/>
           </a:p>
           <a:p>
+            <a:r>
+              <a:rPr lang="zh-TW" altLang="en-US" dirty="0"/>
+              <a:t>把複數變單數、拿掉量詞、統一大小寫，並手動刪掉切片的、醃製的形容詞等等</a:t>
+            </a:r>
             <a:endParaRPr lang="en-US" altLang="zh-TW" dirty="0"/>
           </a:p>
           <a:p>
+            <a:endParaRPr lang="en-US" altLang="zh-TW" dirty="0"/>
+          </a:p>
+          <a:p>
             <a:r>
               <a:rPr lang="zh-TW" altLang="en-US" dirty="0"/>
-              <a:t>再做</a:t>
+              <a:t>接著再做</a:t>
             </a:r>
             <a:r>
               <a:rPr lang="en-US" altLang="zh-TW" dirty="0"/>
@@ -6047,14 +6393,14 @@
           <a:p>
             <a:r>
               <a:rPr lang="zh-TW" altLang="en-US" dirty="0"/>
-              <a:t>第二步，我們嘗試使用幾種降維的方式，</a:t>
+              <a:t>第二步，是我們在實驗的後來才嘗試加入降維的步驟，</a:t>
             </a:r>
             <a:endParaRPr lang="en-US" altLang="zh-TW" dirty="0"/>
           </a:p>
           <a:p>
             <a:r>
               <a:rPr lang="zh-TW" altLang="en-US" dirty="0"/>
-              <a:t>但結果都不如無降維，後面結果會再詳細說明</a:t>
+              <a:t>但結果都不如預期，後面會再詳細說明</a:t>
             </a:r>
             <a:endParaRPr lang="en-US" altLang="zh-TW" dirty="0"/>
           </a:p>
@@ -6064,7 +6410,7 @@
           <a:p>
             <a:r>
               <a:rPr lang="zh-TW" altLang="en-US" dirty="0"/>
-              <a:t>最後我們嘗試各種線性、非線性的分類器，比較他們的結果</a:t>
+              <a:t>最後我們會嘗試各種線性、非線性的分類器，比較他們的分類的效果</a:t>
             </a:r>
           </a:p>
         </p:txBody>
@@ -6209,29 +6555,11 @@
             </a:r>
             <a:r>
               <a:rPr lang="en-US" altLang="zh-TW" dirty="0"/>
-              <a:t>CV</a:t>
+              <a:t>5-fold CV</a:t>
             </a:r>
             <a:r>
               <a:rPr lang="zh-TW" altLang="en-US" dirty="0"/>
-              <a:t>的結果</a:t>
-            </a:r>
-            <a:r>
-              <a:rPr lang="en-US" altLang="zh-TW" dirty="0"/>
-              <a:t>(0.8,0.2</a:t>
-            </a:r>
-            <a:r>
-              <a:rPr lang="zh-TW" altLang="en-US" dirty="0"/>
-              <a:t>，</a:t>
-            </a:r>
-            <a:r>
-              <a:rPr lang="en-US" altLang="zh-TW" dirty="0"/>
-              <a:t>5 fold)</a:t>
-            </a:r>
-          </a:p>
-          <a:p>
-            <a:r>
-              <a:rPr lang="zh-TW" altLang="en-US" dirty="0"/>
-              <a:t>得到在參數</a:t>
+              <a:t>的結果，得到在參數</a:t>
             </a:r>
             <a:r>
               <a:rPr lang="en-US" altLang="zh-TW" dirty="0"/>
@@ -6246,15 +6574,7 @@
           <a:p>
             <a:r>
               <a:rPr lang="zh-TW" altLang="en-US" dirty="0"/>
-              <a:t>再將其上傳</a:t>
-            </a:r>
-            <a:r>
-              <a:rPr lang="en-US" altLang="zh-TW" dirty="0"/>
-              <a:t>Kaggle</a:t>
-            </a:r>
-            <a:r>
-              <a:rPr lang="zh-TW" altLang="en-US" dirty="0"/>
-              <a:t>，預測</a:t>
+              <a:t>再將這個參數預測</a:t>
             </a:r>
             <a:r>
               <a:rPr lang="en-US" altLang="zh-TW" dirty="0"/>
@@ -6376,7 +6696,15 @@
             </a:r>
             <a:r>
               <a:rPr lang="en-US" altLang="zh-TW" dirty="0"/>
-              <a:t>SVC</a:t>
+              <a:t>SVM</a:t>
+            </a:r>
+            <a:r>
+              <a:rPr lang="zh-TW" altLang="en-US" dirty="0"/>
+              <a:t> </a:t>
+            </a:r>
+            <a:r>
+              <a:rPr lang="en-US" altLang="zh-TW" dirty="0"/>
+              <a:t>classifiers</a:t>
             </a:r>
             <a:r>
               <a:rPr lang="zh-TW" altLang="en-US" dirty="0"/>
@@ -6515,24 +6843,58 @@
           <a:p>
             <a:r>
               <a:rPr lang="zh-TW" altLang="en-US" dirty="0"/>
-              <a:t>觀察到像是鹽、水等等，在各個國家其實都很常出現</a:t>
+              <a:t>我們觀察到像是鹽、水等等，在各個國家其實都很常出現</a:t>
             </a:r>
             <a:endParaRPr lang="en-US" altLang="zh-TW" dirty="0"/>
           </a:p>
           <a:p>
+            <a:pPr marL="0" marR="0" lvl="0" indent="0" algn="l" defTabSz="914400" rtl="0" eaLnBrk="1" fontAlgn="auto" latinLnBrk="0" hangingPunct="1">
+              <a:lnSpc>
+                <a:spcPct val="100000"/>
+              </a:lnSpc>
+              <a:spcBef>
+                <a:spcPts val="0"/>
+              </a:spcBef>
+              <a:spcAft>
+                <a:spcPts val="0"/>
+              </a:spcAft>
+              <a:buClrTx/>
+              <a:buSzTx/>
+              <a:buFontTx/>
+              <a:buNone/>
+              <a:tabLst/>
+              <a:defRPr/>
+            </a:pPr>
             <a:r>
               <a:rPr lang="zh-TW" altLang="en-US" dirty="0"/>
-              <a:t>因此我們嘗試把各國使用頻率較高的食材刪掉</a:t>
+              <a:t>因此嘗試把各國使用頻率較高的食材刪掉，讓其他比較有識別度的食材權重提高</a:t>
             </a:r>
             <a:endParaRPr lang="en-US" altLang="zh-TW" dirty="0"/>
           </a:p>
           <a:p>
+            <a:pPr marL="0" marR="0" lvl="0" indent="0" algn="l" defTabSz="914400" rtl="0" eaLnBrk="1" fontAlgn="auto" latinLnBrk="0" hangingPunct="1">
+              <a:lnSpc>
+                <a:spcPct val="100000"/>
+              </a:lnSpc>
+              <a:spcBef>
+                <a:spcPts val="0"/>
+              </a:spcBef>
+              <a:spcAft>
+                <a:spcPts val="0"/>
+              </a:spcAft>
+              <a:buClrTx/>
+              <a:buSzTx/>
+              <a:buFontTx/>
+              <a:buNone/>
+              <a:tabLst/>
+              <a:defRPr/>
+            </a:pPr>
             <a:endParaRPr lang="en-US" altLang="zh-TW" dirty="0"/>
           </a:p>
           <a:p>
             <a:r>
               <a:rPr lang="zh-TW" altLang="en-US" dirty="0"/>
-              <a:t>第二個把資料降成不同的維度，進行比較</a:t>
+              <a:t>第二個嘗試是把資料降成不同的維度，再比較他們的結果</a:t>
             </a:r>
             <a:endParaRPr lang="en-US" altLang="zh-TW" dirty="0"/>
           </a:p>
@@ -6667,6 +7029,26 @@
             <a:endParaRPr lang="en-US" altLang="zh-TW" dirty="0"/>
           </a:p>
           <a:p>
+            <a:pPr marL="0" marR="0" lvl="0" indent="0" algn="l" defTabSz="914400" rtl="0" eaLnBrk="1" fontAlgn="auto" latinLnBrk="0" hangingPunct="1">
+              <a:lnSpc>
+                <a:spcPct val="100000"/>
+              </a:lnSpc>
+              <a:spcBef>
+                <a:spcPts val="0"/>
+              </a:spcBef>
+              <a:spcAft>
+                <a:spcPts val="0"/>
+              </a:spcAft>
+              <a:buClrTx/>
+              <a:buSzTx/>
+              <a:buFontTx/>
+              <a:buNone/>
+              <a:tabLst/>
+              <a:defRPr/>
+            </a:pPr>
+            <a:endParaRPr lang="en-US" altLang="zh-TW" dirty="0"/>
+          </a:p>
+          <a:p>
             <a:r>
               <a:rPr lang="zh-TW" altLang="en-US" dirty="0"/>
               <a:t>左圖的橫軸為刪掉的材料數目，例如</a:t>
@@ -6742,7 +7124,7 @@
           <a:p>
             <a:r>
               <a:rPr lang="zh-TW" altLang="en-US" dirty="0"/>
-              <a:t>結果發現刪掉後反而都無助於提升準確率，代表這些特徵還是重要的</a:t>
+              <a:t>結果發現刪掉後反而都無助於提升準確率，代表這些被刪掉的材料其實也很重要</a:t>
             </a:r>
           </a:p>
         </p:txBody>
@@ -6946,7 +7328,7 @@
           <a:p>
             <a:fld id="{8DAA85F6-EE69-412E-B8FC-B479C0CFA01A}" type="datetimeFigureOut">
               <a:rPr lang="zh-TW" altLang="en-US" smtClean="0"/>
-              <a:t>2021/6/6</a:t>
+              <a:t>2021/6/7</a:t>
             </a:fld>
             <a:endParaRPr lang="zh-TW" altLang="en-US"/>
           </a:p>
@@ -7116,7 +7498,7 @@
           <a:p>
             <a:fld id="{8DAA85F6-EE69-412E-B8FC-B479C0CFA01A}" type="datetimeFigureOut">
               <a:rPr lang="zh-TW" altLang="en-US" smtClean="0"/>
-              <a:t>2021/6/6</a:t>
+              <a:t>2021/6/7</a:t>
             </a:fld>
             <a:endParaRPr lang="zh-TW" altLang="en-US"/>
           </a:p>
@@ -7296,7 +7678,7 @@
           <a:p>
             <a:fld id="{8DAA85F6-EE69-412E-B8FC-B479C0CFA01A}" type="datetimeFigureOut">
               <a:rPr lang="zh-TW" altLang="en-US" smtClean="0"/>
-              <a:t>2021/6/6</a:t>
+              <a:t>2021/6/7</a:t>
             </a:fld>
             <a:endParaRPr lang="zh-TW" altLang="en-US"/>
           </a:p>
@@ -7466,7 +7848,7 @@
           <a:p>
             <a:fld id="{8DAA85F6-EE69-412E-B8FC-B479C0CFA01A}" type="datetimeFigureOut">
               <a:rPr lang="zh-TW" altLang="en-US" smtClean="0"/>
-              <a:t>2021/6/6</a:t>
+              <a:t>2021/6/7</a:t>
             </a:fld>
             <a:endParaRPr lang="zh-TW" altLang="en-US"/>
           </a:p>
@@ -7734,7 +8116,7 @@
           <a:p>
             <a:fld id="{8DAA85F6-EE69-412E-B8FC-B479C0CFA01A}" type="datetimeFigureOut">
               <a:rPr lang="zh-TW" altLang="en-US" smtClean="0"/>
-              <a:t>2021/6/6</a:t>
+              <a:t>2021/6/7</a:t>
             </a:fld>
             <a:endParaRPr lang="zh-TW" altLang="en-US"/>
           </a:p>
@@ -7966,7 +8348,7 @@
           <a:p>
             <a:fld id="{8DAA85F6-EE69-412E-B8FC-B479C0CFA01A}" type="datetimeFigureOut">
               <a:rPr lang="zh-TW" altLang="en-US" smtClean="0"/>
-              <a:t>2021/6/6</a:t>
+              <a:t>2021/6/7</a:t>
             </a:fld>
             <a:endParaRPr lang="zh-TW" altLang="en-US"/>
           </a:p>
@@ -8325,7 +8707,7 @@
           <a:p>
             <a:fld id="{8DAA85F6-EE69-412E-B8FC-B479C0CFA01A}" type="datetimeFigureOut">
               <a:rPr lang="zh-TW" altLang="en-US" smtClean="0"/>
-              <a:t>2021/6/6</a:t>
+              <a:t>2021/6/7</a:t>
             </a:fld>
             <a:endParaRPr lang="zh-TW" altLang="en-US"/>
           </a:p>
@@ -8466,7 +8848,7 @@
           <a:p>
             <a:fld id="{8DAA85F6-EE69-412E-B8FC-B479C0CFA01A}" type="datetimeFigureOut">
               <a:rPr lang="zh-TW" altLang="en-US" smtClean="0"/>
-              <a:t>2021/6/6</a:t>
+              <a:t>2021/6/7</a:t>
             </a:fld>
             <a:endParaRPr lang="zh-TW" altLang="en-US"/>
           </a:p>
@@ -8561,7 +8943,7 @@
           <a:p>
             <a:fld id="{8DAA85F6-EE69-412E-B8FC-B479C0CFA01A}" type="datetimeFigureOut">
               <a:rPr lang="zh-TW" altLang="en-US" smtClean="0"/>
-              <a:t>2021/6/6</a:t>
+              <a:t>2021/6/7</a:t>
             </a:fld>
             <a:endParaRPr lang="zh-TW" altLang="en-US"/>
           </a:p>
@@ -8918,7 +9300,7 @@
           <a:p>
             <a:fld id="{8DAA85F6-EE69-412E-B8FC-B479C0CFA01A}" type="datetimeFigureOut">
               <a:rPr lang="zh-TW" altLang="en-US" smtClean="0"/>
-              <a:t>2021/6/6</a:t>
+              <a:t>2021/6/7</a:t>
             </a:fld>
             <a:endParaRPr lang="zh-TW" altLang="en-US"/>
           </a:p>
@@ -9275,7 +9657,7 @@
           <a:p>
             <a:fld id="{8DAA85F6-EE69-412E-B8FC-B479C0CFA01A}" type="datetimeFigureOut">
               <a:rPr lang="zh-TW" altLang="en-US" smtClean="0"/>
-              <a:t>2021/6/6</a:t>
+              <a:t>2021/6/7</a:t>
             </a:fld>
             <a:endParaRPr lang="zh-TW" altLang="en-US"/>
           </a:p>
@@ -9516,7 +9898,7 @@
           <a:p>
             <a:fld id="{8DAA85F6-EE69-412E-B8FC-B479C0CFA01A}" type="datetimeFigureOut">
               <a:rPr lang="zh-TW" altLang="en-US" smtClean="0"/>
-              <a:t>2021/6/6</a:t>
+              <a:t>2021/6/7</a:t>
             </a:fld>
             <a:endParaRPr lang="zh-TW" altLang="en-US"/>
           </a:p>
@@ -11879,7 +12261,15 @@
           <a:p>
             <a:r>
               <a:rPr lang="zh-TW" altLang="en-US" sz="2000" dirty="0"/>
-              <a:t>文字向量化後若為稀疏矩陣，則降維方法</a:t>
+              <a:t>文字向量化後若為</a:t>
+            </a:r>
+            <a:r>
+              <a:rPr lang="zh-TW" altLang="en-US" sz="2000" b="1" dirty="0"/>
+              <a:t>稀疏矩陣</a:t>
+            </a:r>
+            <a:r>
+              <a:rPr lang="zh-TW" altLang="en-US" sz="2000" dirty="0"/>
+              <a:t>，則降維方法</a:t>
             </a:r>
             <a:r>
               <a:rPr lang="en-US" altLang="zh-TW" sz="2000" dirty="0"/>
@@ -11893,14 +12283,18 @@
           </a:p>
           <a:p>
             <a:r>
+              <a:rPr lang="zh-TW" altLang="en-US" sz="2000" b="1" dirty="0"/>
+              <a:t>刪除通用材料</a:t>
+            </a:r>
+            <a:r>
               <a:rPr lang="zh-TW" altLang="en-US" sz="2000" dirty="0"/>
-              <a:t>刪除通用材料無助於正確率之提升</a:t>
+              <a:t>無助於正確率之提升</a:t>
             </a:r>
             <a:endParaRPr lang="en-US" altLang="zh-TW" sz="2000" dirty="0"/>
           </a:p>
           <a:p>
             <a:r>
-              <a:rPr lang="zh-TW" altLang="en-US" sz="2000" dirty="0"/>
+              <a:rPr lang="zh-TW" altLang="en-US" sz="2000" b="1" dirty="0"/>
               <a:t>非線性分類器</a:t>
             </a:r>
             <a:r>
@@ -12501,7 +12895,7 @@
         <p:spPr>
           <a:xfrm>
             <a:off x="1851481" y="4459854"/>
-            <a:ext cx="2379625" cy="830997"/>
+            <a:ext cx="2379625" cy="1200329"/>
           </a:xfrm>
           <a:prstGeom prst="rect">
             <a:avLst/>
@@ -12527,6 +12921,14 @@
             <a:r>
               <a:rPr lang="en-US" altLang="zh-TW" sz="2400" dirty="0"/>
               <a:t>  Vectorizer</a:t>
+            </a:r>
+          </a:p>
+          <a:p>
+            <a:r>
+              <a:rPr lang="en-US" altLang="zh-TW" sz="2400" dirty="0">
+                <a:sym typeface="Wingdings" panose="05000000000000000000" pitchFamily="2" charset="2"/>
+              </a:rPr>
+              <a:t> 2796 features</a:t>
             </a:r>
             <a:endParaRPr lang="zh-TW" altLang="en-US" sz="2400" dirty="0"/>
           </a:p>
